--- a/GroupNo.19_DivB_Java_Mini_Project_Presentation.pptx
+++ b/GroupNo.19_DivB_Java_Mini_Project_Presentation.pptx
@@ -2560,7 +2560,7 @@
               <a:pPr>
                 <a:defRPr/>
               </a:pPr>
-              <a:t>12/14/2021</a:t>
+              <a:t>12/16/2021</a:t>
             </a:fld>
             <a:endParaRPr lang="en-US" dirty="0"/>
           </a:p>
@@ -2829,7 +2829,7 @@
               <a:pPr>
                 <a:defRPr/>
               </a:pPr>
-              <a:t>12/14/2021</a:t>
+              <a:t>12/16/2021</a:t>
             </a:fld>
             <a:endParaRPr lang="en-US" dirty="0"/>
           </a:p>
@@ -3253,7 +3253,7 @@
               <a:pPr>
                 <a:defRPr/>
               </a:pPr>
-              <a:t>12/14/2021</a:t>
+              <a:t>12/16/2021</a:t>
             </a:fld>
             <a:endParaRPr lang="en-US" dirty="0"/>
           </a:p>
@@ -3522,7 +3522,7 @@
               <a:pPr>
                 <a:defRPr/>
               </a:pPr>
-              <a:t>12/14/2021</a:t>
+              <a:t>12/16/2021</a:t>
             </a:fld>
             <a:endParaRPr lang="en-US" dirty="0"/>
           </a:p>
@@ -3946,7 +3946,7 @@
               <a:pPr>
                 <a:defRPr/>
               </a:pPr>
-              <a:t>12/14/2021</a:t>
+              <a:t>12/16/2021</a:t>
             </a:fld>
             <a:endParaRPr lang="en-US" dirty="0"/>
           </a:p>
@@ -4275,7 +4275,7 @@
               <a:pPr>
                 <a:defRPr/>
               </a:pPr>
-              <a:t>12/14/2021</a:t>
+              <a:t>12/16/2021</a:t>
             </a:fld>
             <a:endParaRPr lang="en-US" dirty="0"/>
           </a:p>
@@ -4467,7 +4467,7 @@
               <a:pPr>
                 <a:defRPr/>
               </a:pPr>
-              <a:t>12/14/2021</a:t>
+              <a:t>12/16/2021</a:t>
             </a:fld>
             <a:endParaRPr lang="en-US" dirty="0"/>
           </a:p>
@@ -4669,7 +4669,7 @@
               <a:pPr>
                 <a:defRPr/>
               </a:pPr>
-              <a:t>12/14/2021</a:t>
+              <a:t>12/16/2021</a:t>
             </a:fld>
             <a:endParaRPr lang="en-US" dirty="0"/>
           </a:p>
@@ -4865,7 +4865,7 @@
               <a:pPr>
                 <a:defRPr/>
               </a:pPr>
-              <a:t>12/14/2021</a:t>
+              <a:t>12/16/2021</a:t>
             </a:fld>
             <a:endParaRPr lang="en-US" dirty="0"/>
           </a:p>
@@ -5134,7 +5134,7 @@
               <a:pPr>
                 <a:defRPr/>
               </a:pPr>
-              <a:t>12/14/2021</a:t>
+              <a:t>12/16/2021</a:t>
             </a:fld>
             <a:endParaRPr lang="en-US" dirty="0"/>
           </a:p>
@@ -5449,7 +5449,7 @@
               <a:pPr>
                 <a:defRPr/>
               </a:pPr>
-              <a:t>12/14/2021</a:t>
+              <a:t>12/16/2021</a:t>
             </a:fld>
             <a:endParaRPr lang="en-US" dirty="0"/>
           </a:p>
@@ -5846,7 +5846,7 @@
               <a:pPr>
                 <a:defRPr/>
               </a:pPr>
-              <a:t>12/14/2021</a:t>
+              <a:t>12/16/2021</a:t>
             </a:fld>
             <a:endParaRPr lang="en-US" dirty="0"/>
           </a:p>
@@ -5991,7 +5991,7 @@
               <a:pPr>
                 <a:defRPr/>
               </a:pPr>
-              <a:t>12/14/2021</a:t>
+              <a:t>12/16/2021</a:t>
             </a:fld>
             <a:endParaRPr lang="en-US" dirty="0"/>
           </a:p>
@@ -6108,7 +6108,7 @@
               <a:pPr>
                 <a:defRPr/>
               </a:pPr>
-              <a:t>12/14/2021</a:t>
+              <a:t>12/16/2021</a:t>
             </a:fld>
             <a:endParaRPr lang="en-US" dirty="0"/>
           </a:p>
@@ -6379,7 +6379,7 @@
               <a:pPr>
                 <a:defRPr/>
               </a:pPr>
-              <a:t>12/14/2021</a:t>
+              <a:t>12/16/2021</a:t>
             </a:fld>
             <a:endParaRPr lang="en-US" dirty="0"/>
           </a:p>
@@ -6661,7 +6661,7 @@
               <a:pPr>
                 <a:defRPr/>
               </a:pPr>
-              <a:t>12/14/2021</a:t>
+              <a:t>12/16/2021</a:t>
             </a:fld>
             <a:endParaRPr lang="en-US" dirty="0"/>
           </a:p>
@@ -7523,7 +7523,7 @@
               <a:pPr>
                 <a:defRPr/>
               </a:pPr>
-              <a:t>12/14/2021</a:t>
+              <a:t>12/16/2021</a:t>
             </a:fld>
             <a:endParaRPr lang="en-US" dirty="0"/>
           </a:p>
@@ -9171,18 +9171,22 @@
               </a:ext>
             </a:extLst>
           </a:blip>
-          <a:stretch>
-            <a:fillRect/>
-          </a:stretch>
+          <a:srcRect/>
+          <a:stretch/>
         </p:blipFill>
         <p:spPr>
           <a:xfrm>
-            <a:off x="2417188" y="4141534"/>
-            <a:ext cx="4824288" cy="2745466"/>
+            <a:off x="2417188" y="4145801"/>
+            <a:ext cx="4824288" cy="2736932"/>
           </a:xfrm>
           <a:prstGeom prst="rect">
             <a:avLst/>
           </a:prstGeom>
+          <a:ln>
+            <a:solidFill>
+              <a:srgbClr val="002060"/>
+            </a:solidFill>
+          </a:ln>
         </p:spPr>
       </p:pic>
       <p:pic>
@@ -9273,18 +9277,22 @@
               </a:ext>
             </a:extLst>
           </a:blip>
-          <a:stretch>
-            <a:fillRect/>
-          </a:stretch>
+          <a:srcRect/>
+          <a:stretch/>
         </p:blipFill>
         <p:spPr>
           <a:xfrm>
-            <a:off x="5256336" y="445499"/>
-            <a:ext cx="4560635" cy="2663483"/>
+            <a:off x="5256336" y="435181"/>
+            <a:ext cx="4560635" cy="2594908"/>
           </a:xfrm>
           <a:prstGeom prst="rect">
             <a:avLst/>
           </a:prstGeom>
+          <a:ln>
+            <a:solidFill>
+              <a:srgbClr val="002060"/>
+            </a:solidFill>
+          </a:ln>
         </p:spPr>
       </p:pic>
       <p:pic>
@@ -10527,15 +10535,12 @@
                 <a:latin typeface="Times New Roman" pitchFamily="18" charset="0"/>
                 <a:cs typeface="Times New Roman" pitchFamily="18" charset="0"/>
               </a:rPr>
-              <a:t>•</a:t>
+              <a:t>•The main aim of this system is to provide a platform for the HR team and the employees. In this platform users can address their concerns and the HR team can view the concerns as well as update and maintain the records of users.</a:t>
             </a:r>
-            <a:r>
-              <a:rPr lang="en-IN" altLang="en-US" sz="2600" dirty="0">
-                <a:latin typeface="Times New Roman" pitchFamily="18" charset="0"/>
-                <a:cs typeface="Times New Roman" pitchFamily="18" charset="0"/>
-              </a:rPr>
-              <a:t>The main aim of this system is to develop a software which can provide the solution for all problem send by the workers of an organization. </a:t>
-            </a:r>
+            <a:endParaRPr lang="en-IN" altLang="en-US" sz="2600" dirty="0">
+              <a:latin typeface="Times New Roman" pitchFamily="18" charset="0"/>
+              <a:cs typeface="Times New Roman" pitchFamily="18" charset="0"/>
+            </a:endParaRPr>
           </a:p>
           <a:p>
             <a:pPr marL="107950" eaLnBrk="1" hangingPunct="1">
@@ -10573,7 +10578,7 @@
                 <a:latin typeface="Times New Roman" pitchFamily="18" charset="0"/>
                 <a:cs typeface="Times New Roman" pitchFamily="18" charset="0"/>
               </a:rPr>
-              <a:t>This system will also track the issues raised by the employee so they can check whether their problem is solved or not.</a:t>
+              <a:t>This system will also track the issues raised by the employee.</a:t>
             </a:r>
           </a:p>
           <a:p>
@@ -10657,7 +10662,7 @@
                 <a:latin typeface="Times New Roman" pitchFamily="18" charset="0"/>
                 <a:cs typeface="Times New Roman" pitchFamily="18" charset="0"/>
               </a:rPr>
-              <a:t>•Solution - This system allows proper ticketing system resolving the issue of  sending emails. In this system, the user can address their issues and track the status of their concerns based on priority in a secure environment.</a:t>
+              <a:t>•Solution - This system allows proper ticketing system resolving the issue of  sending emails. In this system, the user can address their issue.</a:t>
             </a:r>
             <a:endParaRPr lang="en-IN" altLang="en-US" sz="2600" dirty="0">
               <a:solidFill>
@@ -12272,7 +12277,7 @@
               </a:tabLst>
             </a:pPr>
             <a:r>
-              <a:rPr lang="en-IN" altLang="en-US" sz="2400">
+              <a:rPr lang="en-IN" altLang="en-US" sz="2400" dirty="0">
                 <a:solidFill>
                   <a:srgbClr val="000000"/>
                 </a:solidFill>
@@ -12316,7 +12321,7 @@
               </a:tabLst>
             </a:pPr>
             <a:r>
-              <a:rPr lang="en-IN" altLang="en-US" sz="2400">
+              <a:rPr lang="en-IN" altLang="en-US" sz="2400" dirty="0">
                 <a:solidFill>
                   <a:srgbClr val="000000"/>
                 </a:solidFill>
@@ -12360,7 +12365,7 @@
               </a:tabLst>
             </a:pPr>
             <a:r>
-              <a:rPr lang="en-IN" altLang="en-US" sz="2400">
+              <a:rPr lang="en-IN" altLang="en-US" sz="2400" dirty="0">
                 <a:solidFill>
                   <a:srgbClr val="000000"/>
                 </a:solidFill>
@@ -12404,14 +12409,14 @@
               </a:tabLst>
             </a:pPr>
             <a:r>
-              <a:rPr lang="en-IN" altLang="en-US" sz="2400">
+              <a:rPr lang="en-IN" altLang="en-US" sz="2400" dirty="0">
                 <a:solidFill>
                   <a:srgbClr val="000000"/>
                 </a:solidFill>
                 <a:latin typeface="Times New Roman" pitchFamily="18" charset="0"/>
                 <a:cs typeface="Times New Roman" pitchFamily="18" charset="0"/>
               </a:rPr>
-              <a:t>Employees can address their queries and at the same time track their Solution for it.</a:t>
+              <a:t>Employees can address their queries.</a:t>
             </a:r>
           </a:p>
         </p:txBody>
